--- a/04_Rutiranje/04 rutiranje.pptx
+++ b/04_Rutiranje/04 rutiranje.pptx
@@ -332,7 +332,7 @@
           <a:p>
             <a:fld id="{2986D4BE-532F-443B-99AA-016C229502D5}" type="datetimeFigureOut">
               <a:rPr lang="en-GB" smtClean="0"/>
-              <a:t>03/05/2016</a:t>
+              <a:t>04/05/2016</a:t>
             </a:fld>
             <a:endParaRPr lang="en-GB"/>
           </a:p>
@@ -502,7 +502,7 @@
           <a:p>
             <a:fld id="{2986D4BE-532F-443B-99AA-016C229502D5}" type="datetimeFigureOut">
               <a:rPr lang="en-GB" smtClean="0"/>
-              <a:t>03/05/2016</a:t>
+              <a:t>04/05/2016</a:t>
             </a:fld>
             <a:endParaRPr lang="en-GB"/>
           </a:p>
@@ -682,7 +682,7 @@
           <a:p>
             <a:fld id="{2986D4BE-532F-443B-99AA-016C229502D5}" type="datetimeFigureOut">
               <a:rPr lang="en-GB" smtClean="0"/>
-              <a:t>03/05/2016</a:t>
+              <a:t>04/05/2016</a:t>
             </a:fld>
             <a:endParaRPr lang="en-GB"/>
           </a:p>
@@ -852,7 +852,7 @@
           <a:p>
             <a:fld id="{2986D4BE-532F-443B-99AA-016C229502D5}" type="datetimeFigureOut">
               <a:rPr lang="en-GB" smtClean="0"/>
-              <a:t>03/05/2016</a:t>
+              <a:t>04/05/2016</a:t>
             </a:fld>
             <a:endParaRPr lang="en-GB"/>
           </a:p>
@@ -1098,7 +1098,7 @@
           <a:p>
             <a:fld id="{2986D4BE-532F-443B-99AA-016C229502D5}" type="datetimeFigureOut">
               <a:rPr lang="en-GB" smtClean="0"/>
-              <a:t>03/05/2016</a:t>
+              <a:t>04/05/2016</a:t>
             </a:fld>
             <a:endParaRPr lang="en-GB"/>
           </a:p>
@@ -1386,7 +1386,7 @@
           <a:p>
             <a:fld id="{2986D4BE-532F-443B-99AA-016C229502D5}" type="datetimeFigureOut">
               <a:rPr lang="en-GB" smtClean="0"/>
-              <a:t>03/05/2016</a:t>
+              <a:t>04/05/2016</a:t>
             </a:fld>
             <a:endParaRPr lang="en-GB"/>
           </a:p>
@@ -1808,7 +1808,7 @@
           <a:p>
             <a:fld id="{2986D4BE-532F-443B-99AA-016C229502D5}" type="datetimeFigureOut">
               <a:rPr lang="en-GB" smtClean="0"/>
-              <a:t>03/05/2016</a:t>
+              <a:t>04/05/2016</a:t>
             </a:fld>
             <a:endParaRPr lang="en-GB"/>
           </a:p>
@@ -1926,7 +1926,7 @@
           <a:p>
             <a:fld id="{2986D4BE-532F-443B-99AA-016C229502D5}" type="datetimeFigureOut">
               <a:rPr lang="en-GB" smtClean="0"/>
-              <a:t>03/05/2016</a:t>
+              <a:t>04/05/2016</a:t>
             </a:fld>
             <a:endParaRPr lang="en-GB"/>
           </a:p>
@@ -2021,7 +2021,7 @@
           <a:p>
             <a:fld id="{2986D4BE-532F-443B-99AA-016C229502D5}" type="datetimeFigureOut">
               <a:rPr lang="en-GB" smtClean="0"/>
-              <a:t>03/05/2016</a:t>
+              <a:t>04/05/2016</a:t>
             </a:fld>
             <a:endParaRPr lang="en-GB"/>
           </a:p>
@@ -2298,7 +2298,7 @@
           <a:p>
             <a:fld id="{2986D4BE-532F-443B-99AA-016C229502D5}" type="datetimeFigureOut">
               <a:rPr lang="en-GB" smtClean="0"/>
-              <a:t>03/05/2016</a:t>
+              <a:t>04/05/2016</a:t>
             </a:fld>
             <a:endParaRPr lang="en-GB"/>
           </a:p>
@@ -2551,7 +2551,7 @@
           <a:p>
             <a:fld id="{2986D4BE-532F-443B-99AA-016C229502D5}" type="datetimeFigureOut">
               <a:rPr lang="en-GB" smtClean="0"/>
-              <a:t>03/05/2016</a:t>
+              <a:t>04/05/2016</a:t>
             </a:fld>
             <a:endParaRPr lang="en-GB"/>
           </a:p>
@@ -2764,7 +2764,7 @@
           <a:p>
             <a:fld id="{2986D4BE-532F-443B-99AA-016C229502D5}" type="datetimeFigureOut">
               <a:rPr lang="en-GB" smtClean="0"/>
-              <a:t>03/05/2016</a:t>
+              <a:t>04/05/2016</a:t>
             </a:fld>
             <a:endParaRPr lang="en-GB"/>
           </a:p>
@@ -5247,7 +5247,19 @@
           <a:p>
             <a:r>
               <a:rPr lang="en-GB" dirty="0" smtClean="0"/>
-              <a:t>#/entries</a:t>
+              <a:t>#/</a:t>
+            </a:r>
+            <a:r>
+              <a:rPr lang="en-GB" dirty="0" err="1" smtClean="0"/>
+              <a:t>blog</a:t>
+            </a:r>
+            <a:r>
+              <a:rPr lang="en-GB" dirty="0" err="1"/>
+              <a:t>E</a:t>
+            </a:r>
+            <a:r>
+              <a:rPr lang="en-GB" dirty="0" err="1" smtClean="0"/>
+              <a:t>ntries</a:t>
             </a:r>
             <a:r>
               <a:rPr lang="sr-Latn-RS" dirty="0" smtClean="0"/>
@@ -6471,7 +6483,7 @@
           <a:p>
             <a:r>
               <a:rPr lang="sr-Latn-RS" dirty="0" smtClean="0"/>
-              <a:t>Search se redirektuje na /user/{username}</a:t>
+              <a:t>Search se redirektuje na /blogEntries/{id}</a:t>
             </a:r>
             <a:endParaRPr lang="en-GB" dirty="0"/>
           </a:p>
@@ -8119,15 +8131,11 @@
           <a:lstStyle/>
           <a:p>
             <a:r>
-              <a:rPr lang="en-GB" dirty="0">
-                <a:hlinkClick r:id="rId2"/>
-              </a:rPr>
+              <a:rPr lang="en-GB" dirty="0"/>
               <a:t>http://</a:t>
             </a:r>
             <a:r>
-              <a:rPr lang="en-GB" dirty="0" smtClean="0">
-                <a:hlinkClick r:id="rId2"/>
-              </a:rPr>
+              <a:rPr lang="en-GB" dirty="0" smtClean="0"/>
               <a:t>angular-ui.github.io/ui-router/release/angular-ui-router.js</a:t>
             </a:r>
             <a:endParaRPr lang="sr-Latn-RS" dirty="0" smtClean="0"/>
@@ -9815,16 +9823,21 @@
           <a:p>
             <a:r>
               <a:rPr lang="sr-Latn-RS" dirty="0" smtClean="0"/>
-              <a:t>Pri tome se template umeće u roditeljski element sa </a:t>
-            </a:r>
-            <a:r>
-              <a:rPr lang="sr-Latn-RS" b="1" dirty="0" smtClean="0"/>
+              <a:t>Pri tome se template umeće u </a:t>
+            </a:r>
+            <a:r>
+              <a:rPr lang="sr-Latn-RS" smtClean="0"/>
+              <a:t>roditeljski element pomoću </a:t>
+            </a:r>
+            <a:r>
+              <a:rPr lang="sr-Latn-RS" b="1" smtClean="0"/>
               <a:t>ui-view </a:t>
             </a:r>
             <a:r>
-              <a:rPr lang="sr-Latn-RS" dirty="0" smtClean="0"/>
-              <a:t>direktivom</a:t>
-            </a:r>
+              <a:rPr lang="sr-Latn-RS" smtClean="0"/>
+              <a:t>direktive</a:t>
+            </a:r>
+            <a:endParaRPr lang="sr-Latn-RS" dirty="0" smtClean="0"/>
           </a:p>
         </p:txBody>
       </p:sp>
@@ -12047,10 +12060,6 @@
               </a:rPr>
               <a:t>&lt;ng-outlet&gt;&lt;/ng-outlet&gt;</a:t>
             </a:r>
-            <a:endParaRPr lang="en-GB" dirty="0">
-              <a:latin typeface="Courier New" panose="02070309020205020404" pitchFamily="49" charset="0"/>
-              <a:cs typeface="Courier New" panose="02070309020205020404" pitchFamily="49" charset="0"/>
-            </a:endParaRPr>
           </a:p>
         </p:txBody>
       </p:sp>
@@ -13528,10 +13537,6 @@
               </a:rPr>
               <a:t>};</a:t>
             </a:r>
-            <a:endParaRPr lang="en-GB" sz="1100" dirty="0">
-              <a:latin typeface="Courier New" panose="02070309020205020404" pitchFamily="49" charset="0"/>
-              <a:cs typeface="Courier New" panose="02070309020205020404" pitchFamily="49" charset="0"/>
-            </a:endParaRPr>
           </a:p>
         </p:txBody>
       </p:sp>
